--- a/PyTorch ONNX + Raspberry Pi + NCS Workflow.pptx
+++ b/PyTorch ONNX + Raspberry Pi + NCS Workflow.pptx
@@ -4482,11 +4482,6 @@
               </a:rPr>
               <a:t>변환</a:t>
             </a:r>
-            <a:endParaRPr lang="ko-KR" altLang="en-US" sz="1050" b="1" dirty="0" smtClean="0">
-              <a:solidFill>
-                <a:schemeClr val="tx1"/>
-              </a:solidFill>
-            </a:endParaRPr>
           </a:p>
         </p:txBody>
       </p:sp>
@@ -5326,7 +5321,7 @@
         </p:nvSpPr>
         <p:spPr>
           <a:xfrm>
-            <a:off x="285720" y="1428736"/>
+            <a:off x="285720" y="1285860"/>
             <a:ext cx="8643998" cy="5214974"/>
           </a:xfrm>
         </p:spPr>
@@ -5394,29 +5389,18 @@
             </a:r>
             <a:r>
               <a:rPr lang="en-US" altLang="ko-KR" sz="1300" b="1" dirty="0" smtClean="0"/>
-              <a:t> Python </a:t>
-            </a:r>
-            <a:r>
-              <a:rPr lang="en-US" altLang="ko-KR" sz="1300" b="1" dirty="0" smtClean="0"/>
-              <a:t>: </a:t>
+              <a:t> Python : </a:t>
             </a:r>
             <a:r>
               <a:rPr lang="en-US" altLang="ko-KR" sz="1300" b="1" dirty="0" smtClean="0">
                 <a:hlinkClick r:id="rId2"/>
               </a:rPr>
-              <a:t>https://</a:t>
-            </a:r>
-            <a:r>
-              <a:rPr lang="en-US" altLang="ko-KR" sz="1300" b="1" dirty="0" smtClean="0">
-                <a:hlinkClick r:id="rId2"/>
-              </a:rPr>
-              <a:t>docs.opencv.org/4.x/dc/d70/pytorch_cls_tutorial_dnn_conversion.html</a:t>
+              <a:t>https://docs.opencv.org/4.x/dc/d70/pytorch_cls_tutorial_dnn_conversion.html</a:t>
             </a:r>
             <a:r>
               <a:rPr lang="en-US" altLang="ko-KR" sz="1300" b="1" dirty="0" smtClean="0"/>
               <a:t> </a:t>
             </a:r>
-            <a:endParaRPr lang="en-US" altLang="ko-KR" sz="1300" b="1" dirty="0" smtClean="0"/>
           </a:p>
           <a:p>
             <a:pPr marL="266700" indent="-266700">
@@ -5456,19 +5440,12 @@
               <a:rPr lang="en-US" altLang="ko-KR" sz="1300" b="1" dirty="0" smtClean="0">
                 <a:hlinkClick r:id="rId3"/>
               </a:rPr>
-              <a:t>https://</a:t>
-            </a:r>
-            <a:r>
-              <a:rPr lang="en-US" altLang="ko-KR" sz="1300" b="1" dirty="0" smtClean="0">
-                <a:hlinkClick r:id="rId3"/>
-              </a:rPr>
-              <a:t>pemami4911.github.io/blog/2021/07/09/part-1-neural-compute-stick-2.html</a:t>
+              <a:t>https://pemami4911.github.io/blog/2021/07/09/part-1-neural-compute-stick-2.html</a:t>
             </a:r>
             <a:r>
               <a:rPr lang="en-US" altLang="ko-KR" sz="1300" b="1" dirty="0" smtClean="0"/>
               <a:t> </a:t>
             </a:r>
-            <a:endParaRPr lang="en-US" altLang="ko-KR" sz="1300" b="1" dirty="0" smtClean="0"/>
           </a:p>
           <a:p>
             <a:pPr marL="266700" indent="-266700">
@@ -5490,11 +5467,7 @@
             </a:r>
             <a:r>
               <a:rPr lang="en-US" altLang="ko-KR" sz="1300" b="1" dirty="0" smtClean="0"/>
-              <a:t> </a:t>
-            </a:r>
-            <a:r>
-              <a:rPr lang="en-US" altLang="ko-KR" sz="1300" b="1" dirty="0" smtClean="0"/>
-              <a:t>2021.4.2 </a:t>
+              <a:t> 2021.4.2 </a:t>
             </a:r>
             <a:r>
               <a:rPr lang="ko-KR" altLang="en-US" sz="1300" b="1" dirty="0" smtClean="0"/>
@@ -5508,19 +5481,12 @@
               <a:rPr lang="en-US" altLang="ko-KR" sz="1300" b="1" dirty="0" smtClean="0">
                 <a:hlinkClick r:id="rId4"/>
               </a:rPr>
-              <a:t>https://storage.openvinotoolkit.org/repositories/openvino/packages/2021.4.2</a:t>
-            </a:r>
-            <a:r>
-              <a:rPr lang="en-US" altLang="ko-KR" sz="1300" b="1" dirty="0" smtClean="0">
-                <a:hlinkClick r:id="rId4"/>
-              </a:rPr>
-              <a:t>/</a:t>
+              <a:t>https://storage.openvinotoolkit.org/repositories/openvino/packages/2021.4.2/</a:t>
             </a:r>
             <a:r>
               <a:rPr lang="en-US" altLang="ko-KR" sz="1300" b="1" dirty="0" smtClean="0"/>
               <a:t> </a:t>
             </a:r>
-            <a:endParaRPr lang="en-US" altLang="ko-KR" sz="1300" b="1" dirty="0" smtClean="0"/>
           </a:p>
           <a:p>
             <a:pPr marL="266700" indent="-266700">
@@ -5542,11 +5508,7 @@
             </a:r>
             <a:r>
               <a:rPr lang="en-US" altLang="ko-KR" sz="1300" b="1" dirty="0" smtClean="0"/>
-              <a:t> </a:t>
-            </a:r>
-            <a:r>
-              <a:rPr lang="en-US" altLang="ko-KR" sz="1300" b="1" dirty="0" smtClean="0"/>
-              <a:t>2021.4.2 Toolkit </a:t>
+              <a:t> 2021.4.2 Toolkit </a:t>
             </a:r>
             <a:r>
               <a:rPr lang="ko-KR" altLang="en-US" sz="1300" b="1" dirty="0" smtClean="0"/>
@@ -5554,29 +5516,18 @@
             </a:r>
             <a:r>
               <a:rPr lang="en-US" altLang="ko-KR" sz="1300" b="1" dirty="0" smtClean="0"/>
-              <a:t> </a:t>
-            </a:r>
-            <a:r>
-              <a:rPr lang="en-US" altLang="ko-KR" sz="1300" b="1" dirty="0" smtClean="0"/>
-              <a:t>: </a:t>
+              <a:t> : </a:t>
             </a:r>
             <a:r>
               <a:rPr lang="en-US" altLang="ko-KR" sz="1300" b="1" dirty="0" smtClean="0">
                 <a:hlinkClick r:id="rId5"/>
               </a:rPr>
-              <a:t>https://</a:t>
-            </a:r>
-            <a:r>
-              <a:rPr lang="en-US" altLang="ko-KR" sz="1300" b="1" dirty="0" smtClean="0">
-                <a:hlinkClick r:id="rId5"/>
-              </a:rPr>
-              <a:t>docs.openvino.ai/2021.4/openvino_docs_install_guides_installing_openvino_linux.html</a:t>
+              <a:t>https://docs.openvino.ai/2021.4/openvino_docs_install_guides_installing_openvino_linux.html</a:t>
             </a:r>
             <a:r>
               <a:rPr lang="en-US" altLang="ko-KR" sz="1300" b="1" dirty="0" smtClean="0"/>
               <a:t> </a:t>
             </a:r>
-            <a:endParaRPr lang="en-US" altLang="ko-KR" sz="1300" b="1" dirty="0" smtClean="0"/>
           </a:p>
           <a:p>
             <a:pPr marL="266700" indent="-266700">
@@ -5598,15 +5549,7 @@
             </a:r>
             <a:r>
               <a:rPr lang="en-US" altLang="ko-KR" sz="1300" b="1" dirty="0" smtClean="0"/>
-              <a:t> </a:t>
-            </a:r>
-            <a:r>
-              <a:rPr lang="en-US" altLang="ko-KR" sz="1300" b="1" dirty="0" smtClean="0"/>
-              <a:t>Model Optimizer ONNX </a:t>
-            </a:r>
-            <a:r>
-              <a:rPr lang="en-US" altLang="ko-KR" sz="1300" b="1" dirty="0" smtClean="0"/>
-              <a:t>IR </a:t>
+              <a:t> Model Optimizer ONNX IR </a:t>
             </a:r>
             <a:r>
               <a:rPr lang="ko-KR" altLang="en-US" sz="1300" b="1" dirty="0" smtClean="0"/>
@@ -5620,19 +5563,12 @@
               <a:rPr lang="en-US" altLang="ko-KR" sz="1300" b="1" dirty="0" smtClean="0">
                 <a:hlinkClick r:id="rId6"/>
               </a:rPr>
-              <a:t>https://</a:t>
-            </a:r>
-            <a:r>
-              <a:rPr lang="en-US" altLang="ko-KR" sz="1300" b="1" dirty="0" smtClean="0">
-                <a:hlinkClick r:id="rId6"/>
-              </a:rPr>
-              <a:t>docs.openvino.ai/latest/openvino_docs_MO_DG_prepare_model_convert_model_Convert_Model_From_ONNX.html</a:t>
+              <a:t>https://docs.openvino.ai/latest/openvino_docs_MO_DG_prepare_model_convert_model_Convert_Model_From_ONNX.html</a:t>
             </a:r>
             <a:r>
               <a:rPr lang="en-US" altLang="ko-KR" sz="1300" b="1" dirty="0" smtClean="0"/>
               <a:t> </a:t>
             </a:r>
-            <a:endParaRPr lang="en-US" altLang="ko-KR" sz="1300" b="1" dirty="0" smtClean="0"/>
           </a:p>
           <a:p>
             <a:pPr marL="266700" indent="-266700">
@@ -5690,7 +5626,6 @@
               <a:rPr lang="en-US" altLang="ko-KR" sz="1300" b="1" dirty="0" smtClean="0"/>
               <a:t> </a:t>
             </a:r>
-            <a:endParaRPr lang="en-US" altLang="ko-KR" sz="1300" b="1" dirty="0" smtClean="0"/>
           </a:p>
           <a:p>
             <a:pPr marL="266700" indent="-266700">
@@ -5742,13 +5677,55 @@
               <a:rPr lang="en-US" altLang="ko-KR" sz="1300" b="1" dirty="0" smtClean="0">
                 <a:hlinkClick r:id="rId8"/>
               </a:rPr>
-              <a:t>https://pyimagesearch.com/2019/04/08/openvino-opencv-and-movidius-ncs-on-the-raspberry-pi</a:t>
+              <a:t>https://pyimagesearch.com/2019/04/08/openvino-opencv-and-movidius-ncs-on-the-raspberry-pi/</a:t>
+            </a:r>
+            <a:r>
+              <a:rPr lang="en-US" altLang="ko-KR" sz="1300" b="1" dirty="0" smtClean="0"/>
+              <a:t> </a:t>
+            </a:r>
+            <a:endParaRPr lang="en-US" altLang="ko-KR" sz="1300" b="1" dirty="0" smtClean="0"/>
+          </a:p>
+          <a:p>
+            <a:pPr marL="266700" indent="-266700">
+              <a:lnSpc>
+                <a:spcPct val="150000"/>
+              </a:lnSpc>
+              <a:spcBef>
+                <a:spcPts val="100"/>
+              </a:spcBef>
+              <a:buFont typeface="Wingdings" pitchFamily="2" charset="2"/>
+              <a:buChar char="§"/>
+              <a:tabLst>
+                <a:tab pos="628650" algn="l"/>
+              </a:tabLst>
+            </a:pPr>
+            <a:r>
+              <a:rPr lang="en-US" altLang="ko-KR" sz="1300" b="1" dirty="0" smtClean="0"/>
+              <a:t>EEMBC – </a:t>
+            </a:r>
+            <a:r>
+              <a:rPr lang="ko-KR" altLang="en-US" sz="1300" b="1" dirty="0" smtClean="0"/>
+              <a:t>임베디드 딥러닝 벤치마크</a:t>
+            </a:r>
+            <a:r>
+              <a:rPr lang="en-US" altLang="ko-KR" sz="1300" b="1" dirty="0" smtClean="0"/>
+              <a:t> </a:t>
+            </a:r>
+            <a:r>
+              <a:rPr lang="en-US" altLang="ko-KR" sz="1300" b="1" dirty="0" smtClean="0"/>
+              <a:t>: </a:t>
             </a:r>
             <a:r>
               <a:rPr lang="en-US" altLang="ko-KR" sz="1300" b="1" dirty="0" smtClean="0">
-                <a:hlinkClick r:id="rId8"/>
+                <a:hlinkClick r:id="rId9"/>
               </a:rPr>
-              <a:t>/</a:t>
+              <a:t>https://</a:t>
+            </a:r>
+            <a:r>
+              <a:rPr lang="en-US" altLang="ko-KR" sz="1300" b="1" dirty="0" smtClean="0">
+                <a:hlinkClick r:id="rId9"/>
+              </a:rPr>
+              <a:t>www.eembc.org/mlmark/scores.php</a:t>
             </a:r>
             <a:r>
               <a:rPr lang="en-US" altLang="ko-KR" sz="1300" b="1" dirty="0" smtClean="0"/>
@@ -5866,11 +5843,7 @@
             </a:r>
             <a:r>
               <a:rPr lang="en-US" altLang="ko-KR" sz="2800" b="1" dirty="0" smtClean="0"/>
-              <a:t> </a:t>
-            </a:r>
-            <a:r>
-              <a:rPr lang="en-US" altLang="ko-KR" sz="2800" b="1" dirty="0" smtClean="0"/>
-              <a:t>Setup</a:t>
+              <a:t> Setup</a:t>
             </a:r>
             <a:endParaRPr lang="ko-KR" altLang="en-US" sz="2800" b="1" dirty="0"/>
           </a:p>
@@ -5940,11 +5913,7 @@
             </a:r>
             <a:r>
               <a:rPr lang="en-US" altLang="ko-KR" sz="1800" dirty="0" smtClean="0"/>
-              <a:t> </a:t>
-            </a:r>
-            <a:r>
-              <a:rPr lang="en-US" altLang="ko-KR" sz="1800" dirty="0" smtClean="0"/>
-              <a:t>https://storage.openvinotoolkit.org/repositories/openvino/packages/2021.4.2/l_openvino_toolkit_data_dev_ubuntu20_p_2021.4.752.tgz -O openvino_2021.4.2_dev.tgz</a:t>
+              <a:t> https://storage.openvinotoolkit.org/repositories/openvino/packages/2021.4.2/l_openvino_toolkit_data_dev_ubuntu20_p_2021.4.752.tgz -O openvino_2021.4.2_dev.tgz</a:t>
             </a:r>
           </a:p>
         </p:txBody>

--- a/PyTorch ONNX + Raspberry Pi + NCS Workflow.pptx
+++ b/PyTorch ONNX + Raspberry Pi + NCS Workflow.pptx
@@ -14,16 +14,15 @@
     <p:sldId id="271" r:id="rId8"/>
     <p:sldId id="272" r:id="rId9"/>
     <p:sldId id="278" r:id="rId10"/>
-    <p:sldId id="280" r:id="rId11"/>
-    <p:sldId id="275" r:id="rId12"/>
-    <p:sldId id="262" r:id="rId13"/>
-    <p:sldId id="279" r:id="rId14"/>
-    <p:sldId id="276" r:id="rId15"/>
-    <p:sldId id="266" r:id="rId16"/>
-    <p:sldId id="264" r:id="rId17"/>
-    <p:sldId id="265" r:id="rId18"/>
-    <p:sldId id="277" r:id="rId19"/>
-    <p:sldId id="263" r:id="rId20"/>
+    <p:sldId id="275" r:id="rId11"/>
+    <p:sldId id="262" r:id="rId12"/>
+    <p:sldId id="279" r:id="rId13"/>
+    <p:sldId id="276" r:id="rId14"/>
+    <p:sldId id="266" r:id="rId15"/>
+    <p:sldId id="264" r:id="rId16"/>
+    <p:sldId id="265" r:id="rId17"/>
+    <p:sldId id="277" r:id="rId18"/>
+    <p:sldId id="263" r:id="rId19"/>
   </p:sldIdLst>
   <p:sldSz cx="9144000" cy="6858000" type="screen4x3"/>
   <p:notesSz cx="6858000" cy="9144000"/>
@@ -3156,1073 +3155,6 @@
       </p:grpSpPr>
       <p:sp>
         <p:nvSpPr>
-          <p:cNvPr id="4" name="Title 3"/>
-          <p:cNvSpPr>
-            <a:spLocks noGrp="1"/>
-          </p:cNvSpPr>
-          <p:nvPr>
-            <p:ph type="title"/>
-          </p:nvPr>
-        </p:nvSpPr>
-        <p:spPr/>
-        <p:txBody>
-          <a:bodyPr>
-            <a:noAutofit/>
-          </a:bodyPr>
-          <a:lstStyle/>
-          <a:p>
-            <a:r>
-              <a:rPr lang="en-US" altLang="ko-KR" sz="2400" b="1" dirty="0" smtClean="0"/>
-              <a:t>Host PC Anaconda Setup</a:t>
-            </a:r>
-            <a:endParaRPr lang="ko-KR" altLang="en-US" sz="2400" b="1" dirty="0"/>
-          </a:p>
-        </p:txBody>
-      </p:sp>
-      <p:sp>
-        <p:nvSpPr>
-          <p:cNvPr id="6" name="TextBox 5"/>
-          <p:cNvSpPr txBox="1"/>
-          <p:nvPr/>
-        </p:nvSpPr>
-        <p:spPr>
-          <a:xfrm>
-            <a:off x="7358082" y="214290"/>
-            <a:ext cx="1632178" cy="276999"/>
-          </a:xfrm>
-          <a:prstGeom prst="rect">
-            <a:avLst/>
-          </a:prstGeom>
-          <a:noFill/>
-        </p:spPr>
-        <p:txBody>
-          <a:bodyPr wrap="none" rtlCol="0">
-            <a:spAutoFit/>
-          </a:bodyPr>
-          <a:lstStyle/>
-          <a:p>
-            <a:r>
-              <a:rPr lang="en-US" altLang="ko-KR" sz="1200" b="1" dirty="0" smtClean="0">
-                <a:solidFill>
-                  <a:srgbClr val="00B050"/>
-                </a:solidFill>
-                <a:latin typeface="맑은 고딕"/>
-                <a:ea typeface="맑은 고딕"/>
-              </a:rPr>
-              <a:t>※ </a:t>
-            </a:r>
-            <a:r>
-              <a:rPr lang="en-US" altLang="ko-KR" sz="1200" b="1" dirty="0" smtClean="0">
-                <a:solidFill>
-                  <a:srgbClr val="00B050"/>
-                </a:solidFill>
-              </a:rPr>
-              <a:t>2022. 12. 27 </a:t>
-            </a:r>
-            <a:r>
-              <a:rPr lang="ko-KR" altLang="en-US" sz="1200" b="1" dirty="0" smtClean="0">
-                <a:solidFill>
-                  <a:srgbClr val="00B050"/>
-                </a:solidFill>
-              </a:rPr>
-              <a:t>기준</a:t>
-            </a:r>
-            <a:endParaRPr lang="ko-KR" altLang="en-US" sz="1200" b="1" dirty="0">
-              <a:solidFill>
-                <a:srgbClr val="00B050"/>
-              </a:solidFill>
-            </a:endParaRPr>
-          </a:p>
-        </p:txBody>
-      </p:sp>
-      <p:sp>
-        <p:nvSpPr>
-          <p:cNvPr id="27" name="TextBox 26"/>
-          <p:cNvSpPr txBox="1"/>
-          <p:nvPr/>
-        </p:nvSpPr>
-        <p:spPr>
-          <a:xfrm>
-            <a:off x="500034" y="1357298"/>
-            <a:ext cx="5597879" cy="369332"/>
-          </a:xfrm>
-          <a:prstGeom prst="rect">
-            <a:avLst/>
-          </a:prstGeom>
-          <a:noFill/>
-        </p:spPr>
-        <p:txBody>
-          <a:bodyPr wrap="none" rtlCol="0">
-            <a:spAutoFit/>
-          </a:bodyPr>
-          <a:lstStyle/>
-          <a:p>
-            <a:r>
-              <a:rPr lang="en-US" altLang="ko-KR" b="1" dirty="0" smtClean="0"/>
-              <a:t>Host PC – Anaconda (</a:t>
-            </a:r>
-            <a:r>
-              <a:rPr lang="en-US" altLang="ko-KR" b="1" dirty="0" err="1" smtClean="0"/>
-              <a:t>pytorch</a:t>
-            </a:r>
-            <a:r>
-              <a:rPr lang="en-US" altLang="ko-KR" b="1" dirty="0" smtClean="0"/>
-              <a:t>) : Anaconda Install</a:t>
-            </a:r>
-            <a:endParaRPr lang="ko-KR" altLang="en-US" b="1" dirty="0"/>
-          </a:p>
-        </p:txBody>
-      </p:sp>
-      <p:sp>
-        <p:nvSpPr>
-          <p:cNvPr id="7" name="내용 개체 틀 2"/>
-          <p:cNvSpPr>
-            <a:spLocks noGrp="1"/>
-          </p:cNvSpPr>
-          <p:nvPr>
-            <p:ph idx="1"/>
-          </p:nvPr>
-        </p:nvSpPr>
-        <p:spPr>
-          <a:xfrm>
-            <a:off x="571472" y="1789176"/>
-            <a:ext cx="8143932" cy="4854534"/>
-          </a:xfrm>
-        </p:spPr>
-        <p:txBody>
-          <a:bodyPr rtlCol="0">
-            <a:noAutofit/>
-          </a:bodyPr>
-          <a:lstStyle/>
-          <a:p>
-            <a:pPr marL="285750" indent="-285750">
-              <a:lnSpc>
-                <a:spcPct val="150000"/>
-              </a:lnSpc>
-            </a:pPr>
-            <a:r>
-              <a:rPr lang="en-US" altLang="ko-KR" sz="2000" b="1" dirty="0" err="1" smtClean="0">
-                <a:latin typeface="+mn-ea"/>
-              </a:rPr>
-              <a:t>Ananconda</a:t>
-            </a:r>
-            <a:r>
-              <a:rPr lang="en-US" altLang="ko-KR" sz="2000" b="1" dirty="0" smtClean="0">
-                <a:latin typeface="+mn-ea"/>
-              </a:rPr>
-              <a:t> </a:t>
-            </a:r>
-            <a:r>
-              <a:rPr lang="ko-KR" altLang="en-US" sz="2000" b="1" dirty="0" smtClean="0">
-                <a:latin typeface="+mn-ea"/>
-              </a:rPr>
-              <a:t>환경에 </a:t>
-            </a:r>
-            <a:r>
-              <a:rPr lang="en-US" altLang="ko-KR" sz="2000" b="1" dirty="0" err="1" smtClean="0">
-                <a:latin typeface="+mn-ea"/>
-              </a:rPr>
-              <a:t>PyTorch</a:t>
-            </a:r>
-            <a:r>
-              <a:rPr lang="en-US" altLang="ko-KR" sz="2000" b="1" dirty="0" smtClean="0">
-                <a:latin typeface="+mn-ea"/>
-              </a:rPr>
-              <a:t> </a:t>
-            </a:r>
-            <a:r>
-              <a:rPr lang="ko-KR" altLang="en-US" sz="2000" b="1" dirty="0" smtClean="0">
-                <a:latin typeface="+mn-ea"/>
-              </a:rPr>
-              <a:t>설치하기</a:t>
-            </a:r>
-            <a:endParaRPr lang="en-US" altLang="ko-KR" sz="2000" b="1" dirty="0" smtClean="0">
-              <a:latin typeface="+mn-ea"/>
-            </a:endParaRPr>
-          </a:p>
-          <a:p>
-            <a:pPr marL="578358" lvl="1">
-              <a:lnSpc>
-                <a:spcPct val="150000"/>
-              </a:lnSpc>
-              <a:buFont typeface="Wingdings" panose="05000000000000000000" pitchFamily="2" charset="2"/>
-              <a:buChar char="Ø"/>
-            </a:pPr>
-            <a:r>
-              <a:rPr lang="en-US" altLang="ko-KR" sz="1600" b="1" dirty="0" smtClean="0">
-                <a:latin typeface="+mn-ea"/>
-              </a:rPr>
-              <a:t>Anaconda </a:t>
-            </a:r>
-            <a:r>
-              <a:rPr lang="ko-KR" altLang="en-US" sz="1600" b="1" dirty="0" smtClean="0">
-                <a:latin typeface="+mn-ea"/>
-              </a:rPr>
-              <a:t>환경에서 </a:t>
-            </a:r>
-            <a:r>
-              <a:rPr lang="en-US" altLang="ko-KR" sz="1600" b="1" dirty="0" err="1" smtClean="0">
-                <a:latin typeface="+mn-ea"/>
-              </a:rPr>
-              <a:t>PyTorch</a:t>
-            </a:r>
-            <a:r>
-              <a:rPr lang="ko-KR" altLang="en-US" sz="1600" b="1" dirty="0" smtClean="0">
-                <a:latin typeface="+mn-ea"/>
-              </a:rPr>
-              <a:t> 가상환경 접속하기</a:t>
-            </a:r>
-            <a:endParaRPr lang="en-US" altLang="ko-KR" sz="1600" b="1" dirty="0" smtClean="0">
-              <a:latin typeface="+mn-ea"/>
-            </a:endParaRPr>
-          </a:p>
-          <a:p>
-            <a:pPr marL="843534" lvl="2" indent="-285750">
-              <a:lnSpc>
-                <a:spcPct val="150000"/>
-              </a:lnSpc>
-              <a:buFont typeface="Wingdings" panose="05000000000000000000" pitchFamily="2" charset="2"/>
-              <a:buChar char="Ø"/>
-            </a:pPr>
-            <a:r>
-              <a:rPr lang="en-US" altLang="ko-KR" sz="1400" b="1" u="sng" dirty="0" err="1" smtClean="0">
-                <a:solidFill>
-                  <a:srgbClr val="0070C0"/>
-                </a:solidFill>
-                <a:latin typeface="+mn-ea"/>
-              </a:rPr>
-              <a:t>conda</a:t>
-            </a:r>
-            <a:r>
-              <a:rPr lang="en-US" altLang="ko-KR" sz="1400" b="1" u="sng" dirty="0" smtClean="0">
-                <a:solidFill>
-                  <a:srgbClr val="0070C0"/>
-                </a:solidFill>
-                <a:latin typeface="+mn-ea"/>
-              </a:rPr>
-              <a:t> activate &lt;</a:t>
-            </a:r>
-            <a:r>
-              <a:rPr lang="ko-KR" altLang="en-US" sz="1400" b="1" u="sng" dirty="0" smtClean="0">
-                <a:solidFill>
-                  <a:srgbClr val="0070C0"/>
-                </a:solidFill>
-                <a:latin typeface="+mn-ea"/>
-              </a:rPr>
-              <a:t>가상환경 이름</a:t>
-            </a:r>
-            <a:r>
-              <a:rPr lang="en-US" altLang="ko-KR" sz="1400" b="1" u="sng" dirty="0" smtClean="0">
-                <a:solidFill>
-                  <a:srgbClr val="0070C0"/>
-                </a:solidFill>
-                <a:latin typeface="+mn-ea"/>
-              </a:rPr>
-              <a:t>&gt;</a:t>
-            </a:r>
-          </a:p>
-          <a:p>
-            <a:pPr marL="557784" lvl="2" indent="0">
-              <a:lnSpc>
-                <a:spcPct val="150000"/>
-              </a:lnSpc>
-              <a:buNone/>
-            </a:pPr>
-            <a:r>
-              <a:rPr lang="en-US" altLang="ko-KR" sz="1400" b="1" dirty="0" smtClean="0">
-                <a:latin typeface="+mn-ea"/>
-              </a:rPr>
-              <a:t>    </a:t>
-            </a:r>
-            <a:r>
-              <a:rPr lang="en-US" altLang="ko-KR" sz="1050" b="1" dirty="0" smtClean="0">
-                <a:latin typeface="+mn-ea"/>
-              </a:rPr>
-              <a:t>(ex : ‘</a:t>
-            </a:r>
-            <a:r>
-              <a:rPr lang="en-US" altLang="ko-KR" sz="1050" b="1" dirty="0" err="1" smtClean="0">
-                <a:latin typeface="+mn-ea"/>
-              </a:rPr>
-              <a:t>pytorch</a:t>
-            </a:r>
-            <a:r>
-              <a:rPr lang="en-US" altLang="ko-KR" sz="1050" b="1" dirty="0" smtClean="0">
-                <a:latin typeface="+mn-ea"/>
-              </a:rPr>
-              <a:t>’</a:t>
-            </a:r>
-            <a:r>
-              <a:rPr lang="ko-KR" altLang="en-US" sz="1050" b="1" dirty="0" smtClean="0">
-                <a:latin typeface="+mn-ea"/>
-              </a:rPr>
-              <a:t>라는 </a:t>
-            </a:r>
-            <a:r>
-              <a:rPr lang="en-US" altLang="ko-KR" sz="1050" b="1" dirty="0" err="1" smtClean="0">
-                <a:latin typeface="+mn-ea"/>
-              </a:rPr>
-              <a:t>conda</a:t>
-            </a:r>
-            <a:r>
-              <a:rPr lang="en-US" altLang="ko-KR" sz="1050" b="1" dirty="0" smtClean="0">
-                <a:latin typeface="+mn-ea"/>
-              </a:rPr>
-              <a:t> </a:t>
-            </a:r>
-            <a:r>
-              <a:rPr lang="ko-KR" altLang="en-US" sz="1050" b="1" dirty="0" smtClean="0">
-                <a:latin typeface="+mn-ea"/>
-              </a:rPr>
-              <a:t>환경 접속하기 </a:t>
-            </a:r>
-            <a:r>
-              <a:rPr lang="en-US" altLang="ko-KR" sz="1050" b="1" dirty="0" smtClean="0">
-                <a:latin typeface="+mn-ea"/>
-              </a:rPr>
-              <a:t>: </a:t>
-            </a:r>
-            <a:r>
-              <a:rPr lang="en-US" altLang="ko-KR" sz="1050" b="1" dirty="0" err="1" smtClean="0">
-                <a:latin typeface="+mn-ea"/>
-              </a:rPr>
-              <a:t>conda</a:t>
-            </a:r>
-            <a:r>
-              <a:rPr lang="en-US" altLang="ko-KR" sz="1050" b="1" dirty="0" smtClean="0">
-                <a:latin typeface="+mn-ea"/>
-              </a:rPr>
-              <a:t> activate </a:t>
-            </a:r>
-            <a:r>
-              <a:rPr lang="en-US" altLang="ko-KR" sz="1050" b="1" dirty="0" err="1" smtClean="0">
-                <a:latin typeface="+mn-ea"/>
-              </a:rPr>
-              <a:t>pytorch</a:t>
-            </a:r>
-            <a:r>
-              <a:rPr lang="en-US" altLang="ko-KR" sz="1050" b="1" dirty="0" smtClean="0">
-                <a:latin typeface="+mn-ea"/>
-              </a:rPr>
-              <a:t> /                                                            )</a:t>
-            </a:r>
-            <a:r>
-              <a:rPr lang="ko-KR" altLang="en-US" sz="1100" b="1" dirty="0" smtClean="0">
-                <a:latin typeface="+mn-ea"/>
-              </a:rPr>
-              <a:t> </a:t>
-            </a:r>
-            <a:endParaRPr lang="en-US" altLang="ko-KR" sz="1600" b="1" dirty="0" smtClean="0">
-              <a:latin typeface="+mn-ea"/>
-            </a:endParaRPr>
-          </a:p>
-          <a:p>
-            <a:pPr marL="578358" lvl="1">
-              <a:lnSpc>
-                <a:spcPct val="150000"/>
-              </a:lnSpc>
-              <a:buFont typeface="Wingdings" panose="05000000000000000000" pitchFamily="2" charset="2"/>
-              <a:buChar char="Ø"/>
-            </a:pPr>
-            <a:r>
-              <a:rPr lang="en-US" altLang="ko-KR" sz="1600" b="1" dirty="0" err="1" smtClean="0">
-                <a:latin typeface="+mn-ea"/>
-              </a:rPr>
-              <a:t>PyTorch</a:t>
-            </a:r>
-            <a:r>
-              <a:rPr lang="en-US" altLang="ko-KR" sz="1600" b="1" dirty="0" smtClean="0">
-                <a:latin typeface="+mn-ea"/>
-              </a:rPr>
-              <a:t> </a:t>
-            </a:r>
-            <a:r>
-              <a:rPr lang="ko-KR" altLang="en-US" sz="1600" b="1" dirty="0" smtClean="0">
-                <a:latin typeface="+mn-ea"/>
-              </a:rPr>
-              <a:t>공식 사이트</a:t>
-            </a:r>
-            <a:r>
-              <a:rPr lang="en-US" altLang="ko-KR" sz="1100" b="1" dirty="0" smtClean="0">
-                <a:latin typeface="+mn-ea"/>
-              </a:rPr>
-              <a:t>(https://pytorch.org/)</a:t>
-            </a:r>
-            <a:r>
-              <a:rPr lang="ko-KR" altLang="en-US" sz="1600" b="1" dirty="0" smtClean="0">
-                <a:latin typeface="+mn-ea"/>
-              </a:rPr>
-              <a:t>에서 제공하는 </a:t>
-            </a:r>
-            <a:r>
-              <a:rPr lang="en-US" altLang="ko-KR" sz="1600" b="1" dirty="0" smtClean="0">
-                <a:latin typeface="+mn-ea"/>
-              </a:rPr>
-              <a:t>Anaconda </a:t>
-            </a:r>
-            <a:r>
-              <a:rPr lang="ko-KR" altLang="en-US" sz="1600" b="1" dirty="0" smtClean="0">
-                <a:latin typeface="+mn-ea"/>
-              </a:rPr>
-              <a:t>설치 명령어 실행</a:t>
-            </a:r>
-            <a:endParaRPr lang="en-US" altLang="ko-KR" sz="1600" b="1" dirty="0" smtClean="0">
-              <a:latin typeface="+mn-ea"/>
-            </a:endParaRPr>
-          </a:p>
-          <a:p>
-            <a:pPr marL="578358" lvl="1">
-              <a:lnSpc>
-                <a:spcPct val="150000"/>
-              </a:lnSpc>
-              <a:buFont typeface="Wingdings" panose="05000000000000000000" pitchFamily="2" charset="2"/>
-              <a:buChar char="Ø"/>
-            </a:pPr>
-            <a:endParaRPr lang="en-US" altLang="ko-KR" sz="1600" b="1" dirty="0" smtClean="0">
-              <a:latin typeface="+mn-ea"/>
-            </a:endParaRPr>
-          </a:p>
-          <a:p>
-            <a:pPr marL="578358" lvl="1">
-              <a:lnSpc>
-                <a:spcPct val="150000"/>
-              </a:lnSpc>
-              <a:buFont typeface="Wingdings" panose="05000000000000000000" pitchFamily="2" charset="2"/>
-              <a:buChar char="Ø"/>
-            </a:pPr>
-            <a:endParaRPr lang="en-US" altLang="ko-KR" sz="1600" b="1" dirty="0" smtClean="0">
-              <a:latin typeface="+mn-ea"/>
-            </a:endParaRPr>
-          </a:p>
-          <a:p>
-            <a:pPr marL="578358" lvl="1">
-              <a:lnSpc>
-                <a:spcPct val="150000"/>
-              </a:lnSpc>
-              <a:buFont typeface="Wingdings" panose="05000000000000000000" pitchFamily="2" charset="2"/>
-              <a:buChar char="Ø"/>
-            </a:pPr>
-            <a:endParaRPr lang="en-US" altLang="ko-KR" sz="1600" b="1" dirty="0" smtClean="0">
-              <a:latin typeface="+mn-ea"/>
-            </a:endParaRPr>
-          </a:p>
-          <a:p>
-            <a:pPr marL="557784" lvl="2" indent="0">
-              <a:lnSpc>
-                <a:spcPct val="150000"/>
-              </a:lnSpc>
-              <a:buNone/>
-            </a:pPr>
-            <a:endParaRPr lang="en-US" altLang="ko-KR" sz="1600" b="1" dirty="0" smtClean="0">
-              <a:latin typeface="+mn-ea"/>
-            </a:endParaRPr>
-          </a:p>
-          <a:p>
-            <a:pPr marL="557784" lvl="2" indent="0">
-              <a:lnSpc>
-                <a:spcPct val="150000"/>
-              </a:lnSpc>
-              <a:buNone/>
-            </a:pPr>
-            <a:endParaRPr lang="en-US" altLang="ko-KR" sz="1600" b="1" dirty="0" smtClean="0">
-              <a:latin typeface="+mn-ea"/>
-            </a:endParaRPr>
-          </a:p>
-          <a:p>
-            <a:pPr marL="578358" lvl="1">
-              <a:lnSpc>
-                <a:spcPct val="150000"/>
-              </a:lnSpc>
-              <a:buFont typeface="Wingdings" panose="05000000000000000000" pitchFamily="2" charset="2"/>
-              <a:buChar char="Ø"/>
-            </a:pPr>
-            <a:r>
-              <a:rPr lang="en-US" altLang="ko-KR" sz="1600" b="1" dirty="0" smtClean="0">
-                <a:latin typeface="+mn-ea"/>
-              </a:rPr>
-              <a:t>Anaconda </a:t>
-            </a:r>
-            <a:r>
-              <a:rPr lang="ko-KR" altLang="en-US" sz="1600" b="1" dirty="0" smtClean="0">
-                <a:latin typeface="+mn-ea"/>
-              </a:rPr>
-              <a:t>환경에서 </a:t>
-            </a:r>
-            <a:r>
-              <a:rPr lang="en-US" altLang="ko-KR" sz="1600" b="1" dirty="0" err="1" smtClean="0">
-                <a:latin typeface="+mn-ea"/>
-              </a:rPr>
-              <a:t>PyTorch</a:t>
-            </a:r>
-            <a:r>
-              <a:rPr lang="en-US" altLang="ko-KR" sz="1600" b="1" dirty="0" smtClean="0">
-                <a:latin typeface="+mn-ea"/>
-              </a:rPr>
-              <a:t> </a:t>
-            </a:r>
-            <a:r>
-              <a:rPr lang="ko-KR" altLang="en-US" sz="1600" b="1" dirty="0" smtClean="0">
-                <a:latin typeface="+mn-ea"/>
-              </a:rPr>
-              <a:t>설치 확인</a:t>
-            </a:r>
-            <a:endParaRPr lang="en-US" altLang="ko-KR" sz="1600" b="1" dirty="0" smtClean="0">
-              <a:latin typeface="+mn-ea"/>
-            </a:endParaRPr>
-          </a:p>
-        </p:txBody>
-      </p:sp>
-      <p:pic>
-        <p:nvPicPr>
-          <p:cNvPr id="10" name="그림 5"/>
-          <p:cNvPicPr>
-            <a:picLocks noChangeAspect="1"/>
-          </p:cNvPicPr>
-          <p:nvPr/>
-        </p:nvPicPr>
-        <p:blipFill>
-          <a:blip r:embed="rId2"/>
-          <a:stretch>
-            <a:fillRect/>
-          </a:stretch>
-        </p:blipFill>
-        <p:spPr>
-          <a:xfrm>
-            <a:off x="642909" y="3929066"/>
-            <a:ext cx="4389425" cy="1746330"/>
-          </a:xfrm>
-          <a:prstGeom prst="rect">
-            <a:avLst/>
-          </a:prstGeom>
-        </p:spPr>
-      </p:pic>
-      <p:grpSp>
-        <p:nvGrpSpPr>
-          <p:cNvPr id="2" name="그룹 6"/>
-          <p:cNvGrpSpPr/>
-          <p:nvPr/>
-        </p:nvGrpSpPr>
-        <p:grpSpPr>
-          <a:xfrm>
-            <a:off x="1714479" y="3992738"/>
-            <a:ext cx="7072363" cy="1150775"/>
-            <a:chOff x="5391667" y="4788408"/>
-            <a:chExt cx="7072363" cy="1100087"/>
-          </a:xfrm>
-        </p:grpSpPr>
-        <p:sp>
-          <p:nvSpPr>
-            <p:cNvPr id="12" name="직사각형 7"/>
-            <p:cNvSpPr/>
-            <p:nvPr/>
-          </p:nvSpPr>
-          <p:spPr>
-            <a:xfrm>
-              <a:off x="5391667" y="4795833"/>
-              <a:ext cx="3283890" cy="1092662"/>
-            </a:xfrm>
-            <a:prstGeom prst="rect">
-              <a:avLst/>
-            </a:prstGeom>
-            <a:solidFill>
-              <a:srgbClr val="FF0000">
-                <a:alpha val="30000"/>
-              </a:srgbClr>
-            </a:solidFill>
-            <a:ln w="38100">
-              <a:solidFill>
-                <a:srgbClr val="FF0000"/>
-              </a:solidFill>
-            </a:ln>
-          </p:spPr>
-          <p:style>
-            <a:lnRef idx="2">
-              <a:schemeClr val="accent1">
-                <a:shade val="50000"/>
-              </a:schemeClr>
-            </a:lnRef>
-            <a:fillRef idx="1">
-              <a:schemeClr val="accent1"/>
-            </a:fillRef>
-            <a:effectRef idx="0">
-              <a:schemeClr val="accent1"/>
-            </a:effectRef>
-            <a:fontRef idx="minor">
-              <a:schemeClr val="lt1"/>
-            </a:fontRef>
-          </p:style>
-          <p:txBody>
-            <a:bodyPr rtlCol="0" anchor="ctr"/>
-            <a:lstStyle/>
-            <a:p>
-              <a:pPr algn="ctr"/>
-              <a:endParaRPr lang="ko-KR" altLang="en-US"/>
-            </a:p>
-          </p:txBody>
-        </p:sp>
-        <p:sp>
-          <p:nvSpPr>
-            <p:cNvPr id="13" name="TextBox 12"/>
-            <p:cNvSpPr txBox="1"/>
-            <p:nvPr/>
-          </p:nvSpPr>
-          <p:spPr>
-            <a:xfrm>
-              <a:off x="9035006" y="4788408"/>
-              <a:ext cx="3429024" cy="485462"/>
-            </a:xfrm>
-            <a:prstGeom prst="rect">
-              <a:avLst/>
-            </a:prstGeom>
-            <a:solidFill>
-              <a:schemeClr val="bg1"/>
-            </a:solidFill>
-            <a:ln>
-              <a:solidFill>
-                <a:schemeClr val="tx1"/>
-              </a:solidFill>
-            </a:ln>
-          </p:spPr>
-          <p:txBody>
-            <a:bodyPr wrap="square" rtlCol="0">
-              <a:spAutoFit/>
-            </a:bodyPr>
-            <a:lstStyle/>
-            <a:p>
-              <a:pPr marL="269875" indent="-269875">
-                <a:spcBef>
-                  <a:spcPts val="600"/>
-                </a:spcBef>
-                <a:buFont typeface="+mj-ea"/>
-                <a:buAutoNum type="circleNumDbPlain"/>
-              </a:pPr>
-              <a:r>
-                <a:rPr lang="ko-KR" altLang="en-US" sz="1100" b="1" dirty="0" smtClean="0">
-                  <a:latin typeface="+mn-ea"/>
-                </a:rPr>
-                <a:t>설치하려는 </a:t>
-              </a:r>
-              <a:r>
-                <a:rPr lang="en-US" altLang="ko-KR" sz="1100" b="1" dirty="0" err="1" smtClean="0">
-                  <a:latin typeface="+mn-ea"/>
-                </a:rPr>
-                <a:t>PyTorch</a:t>
-              </a:r>
-              <a:r>
-                <a:rPr lang="en-US" altLang="ko-KR" sz="1100" b="1" dirty="0" smtClean="0">
-                  <a:latin typeface="+mn-ea"/>
-                </a:rPr>
-                <a:t> </a:t>
-              </a:r>
-              <a:r>
-                <a:rPr lang="ko-KR" altLang="en-US" sz="1100" b="1" dirty="0" smtClean="0">
-                  <a:latin typeface="+mn-ea"/>
-                </a:rPr>
-                <a:t>버전과 </a:t>
-              </a:r>
-              <a:r>
-                <a:rPr lang="ko-KR" altLang="en-US" sz="1100" b="1" dirty="0" err="1" smtClean="0">
-                  <a:latin typeface="+mn-ea"/>
-                </a:rPr>
-                <a:t>실행환경을</a:t>
-              </a:r>
-              <a:r>
-                <a:rPr lang="ko-KR" altLang="en-US" sz="1100" b="1" dirty="0" smtClean="0">
-                  <a:latin typeface="+mn-ea"/>
-                </a:rPr>
-                <a:t> 설정함</a:t>
-              </a:r>
-              <a:endParaRPr lang="en-US" altLang="ko-KR" sz="1100" b="1" dirty="0" smtClean="0">
-                <a:latin typeface="+mn-ea"/>
-              </a:endParaRPr>
-            </a:p>
-            <a:p>
-              <a:pPr>
-                <a:spcBef>
-                  <a:spcPts val="600"/>
-                </a:spcBef>
-              </a:pPr>
-              <a:r>
-                <a:rPr lang="en-US" altLang="ko-KR" sz="1100" b="1" dirty="0" smtClean="0">
-                  <a:solidFill>
-                    <a:srgbClr val="00B050"/>
-                  </a:solidFill>
-                  <a:latin typeface="+mn-ea"/>
-                  <a:ea typeface="맑은 고딕" panose="020B0503020000020004" pitchFamily="50" charset="-127"/>
-                </a:rPr>
-                <a:t>      </a:t>
-              </a:r>
-              <a:r>
-                <a:rPr lang="ko-KR" altLang="ko-KR" sz="1100" b="1" dirty="0" smtClean="0">
-                  <a:solidFill>
-                    <a:srgbClr val="00B050"/>
-                  </a:solidFill>
-                  <a:latin typeface="+mn-ea"/>
-                  <a:ea typeface="맑은 고딕" panose="020B0503020000020004" pitchFamily="50" charset="-127"/>
-                </a:rPr>
-                <a:t>※</a:t>
-              </a:r>
-              <a:r>
-                <a:rPr lang="en-US" altLang="ko-KR" sz="1100" b="1" dirty="0" smtClean="0">
-                  <a:solidFill>
-                    <a:srgbClr val="00B050"/>
-                  </a:solidFill>
-                  <a:latin typeface="+mn-ea"/>
-                  <a:ea typeface="맑은 고딕" panose="020B0503020000020004" pitchFamily="50" charset="-127"/>
-                </a:rPr>
-                <a:t> Anaconda</a:t>
-              </a:r>
-              <a:r>
-                <a:rPr lang="ko-KR" altLang="en-US" sz="1100" b="1" dirty="0" smtClean="0">
-                  <a:solidFill>
-                    <a:srgbClr val="00B050"/>
-                  </a:solidFill>
-                  <a:latin typeface="+mn-ea"/>
-                  <a:ea typeface="맑은 고딕" panose="020B0503020000020004" pitchFamily="50" charset="-127"/>
-                </a:rPr>
-                <a:t>에 설치하기에 </a:t>
-              </a:r>
-              <a:r>
-                <a:rPr lang="en-US" altLang="ko-KR" sz="1100" b="1" dirty="0" err="1" smtClean="0">
-                  <a:solidFill>
-                    <a:srgbClr val="00B050"/>
-                  </a:solidFill>
-                  <a:latin typeface="+mn-ea"/>
-                  <a:ea typeface="맑은 고딕" panose="020B0503020000020004" pitchFamily="50" charset="-127"/>
-                </a:rPr>
-                <a:t>Conda</a:t>
-              </a:r>
-              <a:r>
-                <a:rPr lang="en-US" altLang="ko-KR" sz="1100" b="1" dirty="0" smtClean="0">
-                  <a:solidFill>
-                    <a:srgbClr val="00B050"/>
-                  </a:solidFill>
-                  <a:latin typeface="+mn-ea"/>
-                  <a:ea typeface="맑은 고딕" panose="020B0503020000020004" pitchFamily="50" charset="-127"/>
-                </a:rPr>
-                <a:t> </a:t>
-              </a:r>
-              <a:r>
-                <a:rPr lang="ko-KR" altLang="en-US" sz="1100" b="1" dirty="0" smtClean="0">
-                  <a:solidFill>
-                    <a:srgbClr val="00B050"/>
-                  </a:solidFill>
-                  <a:latin typeface="+mn-ea"/>
-                  <a:ea typeface="맑은 고딕" panose="020B0503020000020004" pitchFamily="50" charset="-127"/>
-                </a:rPr>
-                <a:t>선택</a:t>
-              </a:r>
-              <a:endParaRPr lang="ko-KR" altLang="en-US" sz="1100" b="1" dirty="0">
-                <a:solidFill>
-                  <a:srgbClr val="00B050"/>
-                </a:solidFill>
-                <a:latin typeface="+mn-ea"/>
-              </a:endParaRPr>
-            </a:p>
-          </p:txBody>
-        </p:sp>
-        <p:cxnSp>
-          <p:nvCxnSpPr>
-            <p:cNvPr id="14" name="꺾인 연결선 9"/>
-            <p:cNvCxnSpPr>
-              <a:stCxn id="12" idx="3"/>
-              <a:endCxn id="13" idx="1"/>
-            </p:cNvCxnSpPr>
-            <p:nvPr/>
-          </p:nvCxnSpPr>
-          <p:spPr>
-            <a:xfrm flipV="1">
-              <a:off x="8675557" y="5031141"/>
-              <a:ext cx="359449" cy="311025"/>
-            </a:xfrm>
-            <a:prstGeom prst="bentConnector3">
-              <a:avLst>
-                <a:gd name="adj1" fmla="val 50000"/>
-              </a:avLst>
-            </a:prstGeom>
-            <a:ln w="47625">
-              <a:solidFill>
-                <a:srgbClr val="FF0000"/>
-              </a:solidFill>
-            </a:ln>
-          </p:spPr>
-          <p:style>
-            <a:lnRef idx="1">
-              <a:schemeClr val="accent1"/>
-            </a:lnRef>
-            <a:fillRef idx="0">
-              <a:schemeClr val="accent1"/>
-            </a:fillRef>
-            <a:effectRef idx="0">
-              <a:schemeClr val="accent1"/>
-            </a:effectRef>
-            <a:fontRef idx="minor">
-              <a:schemeClr val="tx1"/>
-            </a:fontRef>
-          </p:style>
-        </p:cxnSp>
-      </p:grpSp>
-      <p:grpSp>
-        <p:nvGrpSpPr>
-          <p:cNvPr id="3" name="그룹 23"/>
-          <p:cNvGrpSpPr/>
-          <p:nvPr/>
-        </p:nvGrpSpPr>
-        <p:grpSpPr>
-          <a:xfrm>
-            <a:off x="1714479" y="4786322"/>
-            <a:ext cx="6143668" cy="714381"/>
-            <a:chOff x="2021840" y="5553105"/>
-            <a:chExt cx="6143668" cy="714381"/>
-          </a:xfrm>
-        </p:grpSpPr>
-        <p:sp>
-          <p:nvSpPr>
-            <p:cNvPr id="16" name="TextBox 15"/>
-            <p:cNvSpPr txBox="1"/>
-            <p:nvPr/>
-          </p:nvSpPr>
-          <p:spPr>
-            <a:xfrm>
-              <a:off x="5665179" y="5553105"/>
-              <a:ext cx="2500329" cy="461665"/>
-            </a:xfrm>
-            <a:prstGeom prst="rect">
-              <a:avLst/>
-            </a:prstGeom>
-            <a:solidFill>
-              <a:schemeClr val="bg1"/>
-            </a:solidFill>
-            <a:ln>
-              <a:solidFill>
-                <a:schemeClr val="tx1"/>
-              </a:solidFill>
-            </a:ln>
-          </p:spPr>
-          <p:txBody>
-            <a:bodyPr wrap="square" rtlCol="0">
-              <a:spAutoFit/>
-            </a:bodyPr>
-            <a:lstStyle/>
-            <a:p>
-              <a:pPr marL="269875" indent="-269875">
-                <a:spcBef>
-                  <a:spcPts val="600"/>
-                </a:spcBef>
-                <a:buFont typeface="+mj-ea"/>
-                <a:buAutoNum type="circleNumDbPlain" startAt="2"/>
-              </a:pPr>
-              <a:r>
-                <a:rPr lang="ko-KR" altLang="en-US" sz="1200" b="1" dirty="0" smtClean="0">
-                  <a:latin typeface="+mn-ea"/>
-                </a:rPr>
-                <a:t>설치 명령어를 </a:t>
-              </a:r>
-              <a:r>
-                <a:rPr lang="en-US" altLang="ko-KR" sz="1200" b="1" dirty="0" smtClean="0">
-                  <a:latin typeface="+mn-ea"/>
-                </a:rPr>
-                <a:t>WSL </a:t>
-              </a:r>
-              <a:r>
-                <a:rPr lang="ko-KR" altLang="en-US" sz="1200" b="1" dirty="0" smtClean="0">
-                  <a:latin typeface="+mn-ea"/>
-                </a:rPr>
-                <a:t>터미널의 </a:t>
-              </a:r>
-              <a:r>
-                <a:rPr lang="en-US" altLang="ko-KR" sz="1200" b="1" dirty="0" smtClean="0">
-                  <a:latin typeface="+mn-ea"/>
-                </a:rPr>
-                <a:t>Anaconda </a:t>
-              </a:r>
-              <a:r>
-                <a:rPr lang="ko-KR" altLang="en-US" sz="1200" b="1" dirty="0" smtClean="0">
-                  <a:latin typeface="+mn-ea"/>
-                </a:rPr>
-                <a:t>환경에서 실행함</a:t>
-              </a:r>
-              <a:endParaRPr lang="ko-KR" altLang="en-US" sz="1200" b="1" dirty="0">
-                <a:latin typeface="+mn-ea"/>
-              </a:endParaRPr>
-            </a:p>
-          </p:txBody>
-        </p:sp>
-        <p:sp>
-          <p:nvSpPr>
-            <p:cNvPr id="17" name="직사각형 19"/>
-            <p:cNvSpPr/>
-            <p:nvPr/>
-          </p:nvSpPr>
-          <p:spPr>
-            <a:xfrm>
-              <a:off x="2021840" y="6008116"/>
-              <a:ext cx="3286148" cy="259370"/>
-            </a:xfrm>
-            <a:prstGeom prst="rect">
-              <a:avLst/>
-            </a:prstGeom>
-            <a:solidFill>
-              <a:srgbClr val="FF0000">
-                <a:alpha val="30000"/>
-              </a:srgbClr>
-            </a:solidFill>
-            <a:ln w="38100">
-              <a:solidFill>
-                <a:srgbClr val="FF0000"/>
-              </a:solidFill>
-            </a:ln>
-          </p:spPr>
-          <p:style>
-            <a:lnRef idx="2">
-              <a:schemeClr val="accent1">
-                <a:shade val="50000"/>
-              </a:schemeClr>
-            </a:lnRef>
-            <a:fillRef idx="1">
-              <a:schemeClr val="accent1"/>
-            </a:fillRef>
-            <a:effectRef idx="0">
-              <a:schemeClr val="accent1"/>
-            </a:effectRef>
-            <a:fontRef idx="minor">
-              <a:schemeClr val="lt1"/>
-            </a:fontRef>
-          </p:style>
-          <p:txBody>
-            <a:bodyPr rtlCol="0" anchor="ctr"/>
-            <a:lstStyle/>
-            <a:p>
-              <a:pPr algn="ctr"/>
-              <a:endParaRPr lang="ko-KR" altLang="en-US"/>
-            </a:p>
-          </p:txBody>
-        </p:sp>
-        <p:cxnSp>
-          <p:nvCxnSpPr>
-            <p:cNvPr id="18" name="꺾인 연결선 20"/>
-            <p:cNvCxnSpPr>
-              <a:stCxn id="17" idx="3"/>
-              <a:endCxn id="16" idx="1"/>
-            </p:cNvCxnSpPr>
-            <p:nvPr/>
-          </p:nvCxnSpPr>
-          <p:spPr>
-            <a:xfrm flipV="1">
-              <a:off x="5307988" y="5783938"/>
-              <a:ext cx="357191" cy="353863"/>
-            </a:xfrm>
-            <a:prstGeom prst="bentConnector3">
-              <a:avLst>
-                <a:gd name="adj1" fmla="val 50000"/>
-              </a:avLst>
-            </a:prstGeom>
-            <a:ln w="47625">
-              <a:solidFill>
-                <a:srgbClr val="FF0000"/>
-              </a:solidFill>
-            </a:ln>
-          </p:spPr>
-          <p:style>
-            <a:lnRef idx="1">
-              <a:schemeClr val="accent1"/>
-            </a:lnRef>
-            <a:fillRef idx="0">
-              <a:schemeClr val="accent1"/>
-            </a:fillRef>
-            <a:effectRef idx="0">
-              <a:schemeClr val="accent1"/>
-            </a:effectRef>
-            <a:fontRef idx="minor">
-              <a:schemeClr val="tx1"/>
-            </a:fontRef>
-          </p:style>
-        </p:cxnSp>
-      </p:grpSp>
-      <p:pic>
-        <p:nvPicPr>
-          <p:cNvPr id="22" name="그림 4"/>
-          <p:cNvPicPr>
-            <a:picLocks noChangeAspect="1"/>
-          </p:cNvPicPr>
-          <p:nvPr/>
-        </p:nvPicPr>
-        <p:blipFill>
-          <a:blip r:embed="rId3"/>
-          <a:stretch>
-            <a:fillRect/>
-          </a:stretch>
-        </p:blipFill>
-        <p:spPr>
-          <a:xfrm>
-            <a:off x="5731484" y="3204613"/>
-            <a:ext cx="2643206" cy="220268"/>
-          </a:xfrm>
-          <a:prstGeom prst="rect">
-            <a:avLst/>
-          </a:prstGeom>
-        </p:spPr>
-      </p:pic>
-      <p:pic>
-        <p:nvPicPr>
-          <p:cNvPr id="1026" name="Picture 2"/>
-          <p:cNvPicPr>
-            <a:picLocks noChangeAspect="1" noChangeArrowheads="1"/>
-          </p:cNvPicPr>
-          <p:nvPr/>
-        </p:nvPicPr>
-        <p:blipFill>
-          <a:blip r:embed="rId4"/>
-          <a:srcRect/>
-          <a:stretch>
-            <a:fillRect/>
-          </a:stretch>
-        </p:blipFill>
-        <p:spPr bwMode="auto">
-          <a:xfrm>
-            <a:off x="5072066" y="5786454"/>
-            <a:ext cx="3929122" cy="910631"/>
-          </a:xfrm>
-          <a:prstGeom prst="rect">
-            <a:avLst/>
-          </a:prstGeom>
-          <a:noFill/>
-          <a:ln w="9525">
-            <a:noFill/>
-            <a:miter lim="800000"/>
-            <a:headEnd/>
-            <a:tailEnd/>
-          </a:ln>
-          <a:effectLst/>
-        </p:spPr>
-      </p:pic>
-    </p:spTree>
-  </p:cSld>
-  <p:clrMapOvr>
-    <a:masterClrMapping/>
-  </p:clrMapOvr>
-</p:sld>
-</file>
-
-<file path=ppt/slides/slide11.xml><?xml version="1.0" encoding="utf-8"?>
-<p:sld xmlns:a="http://schemas.openxmlformats.org/drawingml/2006/main" xmlns:r="http://schemas.openxmlformats.org/officeDocument/2006/relationships" xmlns:p="http://schemas.openxmlformats.org/presentationml/2006/main">
-  <p:cSld>
-    <p:spTree>
-      <p:nvGrpSpPr>
-        <p:cNvPr id="1" name=""/>
-        <p:cNvGrpSpPr/>
-        <p:nvPr/>
-      </p:nvGrpSpPr>
-      <p:grpSpPr>
-        <a:xfrm>
-          <a:off x="0" y="0"/>
-          <a:ext cx="0" cy="0"/>
-          <a:chOff x="0" y="0"/>
-          <a:chExt cx="0" cy="0"/>
-        </a:xfrm>
-      </p:grpSpPr>
-      <p:sp>
-        <p:nvSpPr>
           <p:cNvPr id="2" name="Title 1"/>
           <p:cNvSpPr>
             <a:spLocks noGrp="1"/>
@@ -4272,7 +3204,7 @@
 </p:sld>
 </file>
 
-<file path=ppt/slides/slide12.xml><?xml version="1.0" encoding="utf-8"?>
+<file path=ppt/slides/slide11.xml><?xml version="1.0" encoding="utf-8"?>
 <p:sld xmlns:a="http://schemas.openxmlformats.org/drawingml/2006/main" xmlns:r="http://schemas.openxmlformats.org/officeDocument/2006/relationships" xmlns:p="http://schemas.openxmlformats.org/presentationml/2006/main">
   <p:cSld>
     <p:spTree>
@@ -5232,7 +4164,7 @@
 </p:sld>
 </file>
 
-<file path=ppt/slides/slide13.xml><?xml version="1.0" encoding="utf-8"?>
+<file path=ppt/slides/slide12.xml><?xml version="1.0" encoding="utf-8"?>
 <p:sld xmlns:a="http://schemas.openxmlformats.org/drawingml/2006/main" xmlns:r="http://schemas.openxmlformats.org/officeDocument/2006/relationships" xmlns:p="http://schemas.openxmlformats.org/presentationml/2006/main">
   <p:cSld>
     <p:spTree>
@@ -6016,7 +4948,7 @@
 </p:sld>
 </file>
 
-<file path=ppt/slides/slide14.xml><?xml version="1.0" encoding="utf-8"?>
+<file path=ppt/slides/slide13.xml><?xml version="1.0" encoding="utf-8"?>
 <p:sld xmlns:a="http://schemas.openxmlformats.org/drawingml/2006/main" xmlns:r="http://schemas.openxmlformats.org/officeDocument/2006/relationships" xmlns:p="http://schemas.openxmlformats.org/presentationml/2006/main">
   <p:cSld>
     <p:spTree>
@@ -6076,7 +5008,7 @@
 </p:sld>
 </file>
 
-<file path=ppt/slides/slide15.xml><?xml version="1.0" encoding="utf-8"?>
+<file path=ppt/slides/slide14.xml><?xml version="1.0" encoding="utf-8"?>
 <p:sld xmlns:a="http://schemas.openxmlformats.org/drawingml/2006/main" xmlns:r="http://schemas.openxmlformats.org/officeDocument/2006/relationships" xmlns:p="http://schemas.openxmlformats.org/presentationml/2006/main">
   <p:cSld>
     <p:spTree>
@@ -6917,7 +5849,7 @@
 </p:sld>
 </file>
 
-<file path=ppt/slides/slide16.xml><?xml version="1.0" encoding="utf-8"?>
+<file path=ppt/slides/slide15.xml><?xml version="1.0" encoding="utf-8"?>
 <p:sld xmlns:a="http://schemas.openxmlformats.org/drawingml/2006/main" xmlns:r="http://schemas.openxmlformats.org/officeDocument/2006/relationships" xmlns:p="http://schemas.openxmlformats.org/presentationml/2006/main">
   <p:cSld>
     <p:spTree>
@@ -7578,7 +6510,7 @@
 </p:sld>
 </file>
 
-<file path=ppt/slides/slide17.xml><?xml version="1.0" encoding="utf-8"?>
+<file path=ppt/slides/slide16.xml><?xml version="1.0" encoding="utf-8"?>
 <p:sld xmlns:a="http://schemas.openxmlformats.org/drawingml/2006/main" xmlns:r="http://schemas.openxmlformats.org/officeDocument/2006/relationships" xmlns:p="http://schemas.openxmlformats.org/presentationml/2006/main">
   <p:cSld>
     <p:spTree>
@@ -8254,7 +7186,7 @@
 </p:sld>
 </file>
 
-<file path=ppt/slides/slide18.xml><?xml version="1.0" encoding="utf-8"?>
+<file path=ppt/slides/slide17.xml><?xml version="1.0" encoding="utf-8"?>
 <p:sld xmlns:a="http://schemas.openxmlformats.org/drawingml/2006/main" xmlns:r="http://schemas.openxmlformats.org/officeDocument/2006/relationships" xmlns:p="http://schemas.openxmlformats.org/presentationml/2006/main">
   <p:cSld>
     <p:spTree>
@@ -8325,7 +7257,7 @@
 </p:sld>
 </file>
 
-<file path=ppt/slides/slide19.xml><?xml version="1.0" encoding="utf-8"?>
+<file path=ppt/slides/slide18.xml><?xml version="1.0" encoding="utf-8"?>
 <p:sld xmlns:a="http://schemas.openxmlformats.org/drawingml/2006/main" xmlns:r="http://schemas.openxmlformats.org/officeDocument/2006/relationships" xmlns:p="http://schemas.openxmlformats.org/presentationml/2006/main">
   <p:cSld>
     <p:spTree>
